--- a/Service/Code/La Française des jeux.pptx
+++ b/Service/Code/La Française des jeux.pptx
@@ -5,7 +5,7 @@
     <p:sldMasterId id="2147483739" r:id="rId1"/>
   </p:sldMasterIdLst>
   <p:notesMasterIdLst>
-    <p:notesMasterId r:id="rId7"/>
+    <p:notesMasterId r:id="rId9"/>
   </p:notesMasterIdLst>
   <p:sldIdLst>
     <p:sldId id="256" r:id="rId2"/>
@@ -13,6 +13,8 @@
     <p:sldId id="257" r:id="rId4"/>
     <p:sldId id="260" r:id="rId5"/>
     <p:sldId id="258" r:id="rId6"/>
+    <p:sldId id="261" r:id="rId7"/>
+    <p:sldId id="262" r:id="rId8"/>
   </p:sldIdLst>
   <p:sldSz cx="12192000" cy="6858000"/>
   <p:notesSz cx="6858000" cy="9144000"/>
@@ -113,7 +115,7 @@
   </p:defaultTextStyle>
   <p:extLst>
     <p:ext uri="{EFAFB233-063F-42B5-8137-9DF3F51BA10A}">
-      <p15:sldGuideLst xmlns:p15="http://schemas.microsoft.com/office/powerpoint/2012/main"/>
+      <p15:sldGuideLst xmlns:p15="http://schemas.microsoft.com/office/powerpoint/2012/main" xmlns=""/>
     </p:ext>
   </p:extLst>
 </p:presentation>
@@ -553,6 +555,152 @@
 </p:notes>
 </file>
 
+<file path=ppt/notesSlides/notesSlide2.xml><?xml version="1.0" encoding="utf-8"?>
+<p:notes xmlns:a="http://schemas.openxmlformats.org/drawingml/2006/main" xmlns:r="http://schemas.openxmlformats.org/officeDocument/2006/relationships" xmlns:p="http://schemas.openxmlformats.org/presentationml/2006/main">
+  <p:cSld>
+    <p:spTree>
+      <p:nvGrpSpPr>
+        <p:cNvPr id="1" name=""/>
+        <p:cNvGrpSpPr/>
+        <p:nvPr/>
+      </p:nvGrpSpPr>
+      <p:grpSpPr>
+        <a:xfrm>
+          <a:off x="0" y="0"/>
+          <a:ext cx="0" cy="0"/>
+          <a:chOff x="0" y="0"/>
+          <a:chExt cx="0" cy="0"/>
+        </a:xfrm>
+      </p:grpSpPr>
+      <p:sp>
+        <p:nvSpPr>
+          <p:cNvPr id="2" name="Espace réservé de l'image des diapositives 1"/>
+          <p:cNvSpPr>
+            <a:spLocks noGrp="1" noRot="1" noChangeAspect="1"/>
+          </p:cNvSpPr>
+          <p:nvPr>
+            <p:ph type="sldImg"/>
+          </p:nvPr>
+        </p:nvSpPr>
+        <p:spPr/>
+      </p:sp>
+      <p:sp>
+        <p:nvSpPr>
+          <p:cNvPr id="3" name="Espace réservé des commentaires 2"/>
+          <p:cNvSpPr>
+            <a:spLocks noGrp="1"/>
+          </p:cNvSpPr>
+          <p:nvPr>
+            <p:ph type="body" idx="1"/>
+          </p:nvPr>
+        </p:nvSpPr>
+        <p:spPr/>
+        <p:txBody>
+          <a:bodyPr/>
+          <a:lstStyle/>
+          <a:p>
+            <a:r>
+              <a:rPr lang="fr-FR" dirty="0" smtClean="0"/>
+              <a:t>Pourquoi </a:t>
+            </a:r>
+            <a:r>
+              <a:rPr lang="fr-FR" dirty="0" err="1" smtClean="0"/>
+              <a:t>nusoap</a:t>
+            </a:r>
+            <a:r>
+              <a:rPr lang="fr-FR" dirty="0" smtClean="0"/>
+              <a:t> et pas soap ?</a:t>
+            </a:r>
+          </a:p>
+          <a:p>
+            <a:r>
+              <a:rPr lang="fr-FR" sz="1200" b="0" i="0" kern="1200" dirty="0" err="1" smtClean="0">
+                <a:solidFill>
+                  <a:schemeClr val="tx1"/>
+                </a:solidFill>
+                <a:effectLst/>
+                <a:latin typeface="+mn-lt"/>
+                <a:ea typeface="+mn-ea"/>
+                <a:cs typeface="+mn-cs"/>
+              </a:rPr>
+              <a:t>Nusoap</a:t>
+            </a:r>
+            <a:r>
+              <a:rPr lang="fr-FR" sz="1200" b="0" i="0" kern="1200" dirty="0" smtClean="0">
+                <a:solidFill>
+                  <a:schemeClr val="tx1"/>
+                </a:solidFill>
+                <a:effectLst/>
+                <a:latin typeface="+mn-lt"/>
+                <a:ea typeface="+mn-ea"/>
+                <a:cs typeface="+mn-cs"/>
+              </a:rPr>
+              <a:t> est une surcouche à soap et dispose donc de primitives de plus </a:t>
+            </a:r>
+            <a:r>
+              <a:rPr lang="fr-FR" sz="1200" b="0" i="0" kern="1200" dirty="0" err="1" smtClean="0">
+                <a:solidFill>
+                  <a:schemeClr val="tx1"/>
+                </a:solidFill>
+                <a:effectLst/>
+                <a:latin typeface="+mn-lt"/>
+                <a:ea typeface="+mn-ea"/>
+                <a:cs typeface="+mn-cs"/>
+              </a:rPr>
+              <a:t>hau</a:t>
+            </a:r>
+            <a:r>
+              <a:rPr lang="fr-FR" sz="1200" b="0" i="0" kern="1200" dirty="0" smtClean="0">
+                <a:solidFill>
+                  <a:schemeClr val="tx1"/>
+                </a:solidFill>
+                <a:effectLst/>
+                <a:latin typeface="+mn-lt"/>
+                <a:ea typeface="+mn-ea"/>
+                <a:cs typeface="+mn-cs"/>
+              </a:rPr>
+              <a:t> niveau. On développe donc plus vite. </a:t>
+            </a:r>
+            <a:endParaRPr lang="fr-FR" dirty="0"/>
+          </a:p>
+        </p:txBody>
+      </p:sp>
+      <p:sp>
+        <p:nvSpPr>
+          <p:cNvPr id="4" name="Espace réservé du numéro de diapositive 3"/>
+          <p:cNvSpPr>
+            <a:spLocks noGrp="1"/>
+          </p:cNvSpPr>
+          <p:nvPr>
+            <p:ph type="sldNum" sz="quarter" idx="10"/>
+          </p:nvPr>
+        </p:nvSpPr>
+        <p:spPr/>
+        <p:txBody>
+          <a:bodyPr/>
+          <a:lstStyle/>
+          <a:p>
+            <a:fld id="{1C1C22E9-FCCD-408C-BA74-DCCF7641B0AE}" type="slidenum">
+              <a:rPr lang="fr-FR" smtClean="0"/>
+              <a:t>3</a:t>
+            </a:fld>
+            <a:endParaRPr lang="fr-FR"/>
+          </a:p>
+        </p:txBody>
+      </p:sp>
+    </p:spTree>
+    <p:extLst>
+      <p:ext uri="{BB962C8B-B14F-4D97-AF65-F5344CB8AC3E}">
+        <p14:creationId xmlns:p14="http://schemas.microsoft.com/office/powerpoint/2010/main" val="2650227002"/>
+      </p:ext>
+    </p:extLst>
+  </p:cSld>
+  <p:clrMapOvr>
+    <a:masterClrMapping/>
+  </p:clrMapOvr>
+</p:notes>
+</file>
+
 <file path=ppt/slideLayouts/slideLayout1.xml><?xml version="1.0" encoding="utf-8"?>
 <p:sldLayout xmlns:a="http://schemas.openxmlformats.org/drawingml/2006/main" xmlns:r="http://schemas.openxmlformats.org/officeDocument/2006/relationships" xmlns:p="http://schemas.openxmlformats.org/presentationml/2006/main" showMasterSp="0" type="title" preserve="1">
   <p:cSld name="Diapositive de titre">
@@ -1322,13 +1470,13 @@
   <p:clrMapOvr>
     <a:masterClrMapping/>
   </p:clrMapOvr>
-  <mc:AlternateContent xmlns:mc="http://schemas.openxmlformats.org/markup-compatibility/2006">
-    <mc:Choice xmlns:p14="http://schemas.microsoft.com/office/powerpoint/2010/main" Requires="p14">
+  <mc:AlternateContent xmlns:mc="http://schemas.openxmlformats.org/markup-compatibility/2006" xmlns:p14="http://schemas.microsoft.com/office/powerpoint/2010/main">
+    <mc:Choice Requires="p14">
       <p:transition spd="med" p14:dur="700">
         <p:fade/>
       </p:transition>
     </mc:Choice>
-    <mc:Fallback>
+    <mc:Fallback xmlns="">
       <p:transition spd="med">
         <p:fade/>
       </p:transition>
@@ -2435,13 +2583,13 @@
   <p:clrMapOvr>
     <a:masterClrMapping/>
   </p:clrMapOvr>
-  <mc:AlternateContent xmlns:mc="http://schemas.openxmlformats.org/markup-compatibility/2006">
-    <mc:Choice xmlns:p14="http://schemas.microsoft.com/office/powerpoint/2010/main" Requires="p14">
+  <mc:AlternateContent xmlns:mc="http://schemas.openxmlformats.org/markup-compatibility/2006" xmlns:p14="http://schemas.microsoft.com/office/powerpoint/2010/main">
+    <mc:Choice Requires="p14">
       <p:transition spd="med" p14:dur="700">
         <p:fade/>
       </p:transition>
     </mc:Choice>
-    <mc:Fallback>
+    <mc:Fallback xmlns="">
       <p:transition spd="med">
         <p:fade/>
       </p:transition>
@@ -3463,13 +3611,13 @@
   <p:clrMapOvr>
     <a:masterClrMapping/>
   </p:clrMapOvr>
-  <mc:AlternateContent xmlns:mc="http://schemas.openxmlformats.org/markup-compatibility/2006">
-    <mc:Choice xmlns:p14="http://schemas.microsoft.com/office/powerpoint/2010/main" Requires="p14">
+  <mc:AlternateContent xmlns:mc="http://schemas.openxmlformats.org/markup-compatibility/2006" xmlns:p14="http://schemas.microsoft.com/office/powerpoint/2010/main">
+    <mc:Choice Requires="p14">
       <p:transition spd="med" p14:dur="700">
         <p:fade/>
       </p:transition>
     </mc:Choice>
-    <mc:Fallback>
+    <mc:Fallback xmlns="">
       <p:transition spd="med">
         <p:fade/>
       </p:transition>
@@ -4650,13 +4798,13 @@
   <p:clrMapOvr>
     <a:masterClrMapping/>
   </p:clrMapOvr>
-  <mc:AlternateContent xmlns:mc="http://schemas.openxmlformats.org/markup-compatibility/2006">
-    <mc:Choice xmlns:p14="http://schemas.microsoft.com/office/powerpoint/2010/main" Requires="p14">
+  <mc:AlternateContent xmlns:mc="http://schemas.openxmlformats.org/markup-compatibility/2006" xmlns:p14="http://schemas.microsoft.com/office/powerpoint/2010/main">
+    <mc:Choice Requires="p14">
       <p:transition spd="med" p14:dur="700">
         <p:fade/>
       </p:transition>
     </mc:Choice>
-    <mc:Fallback>
+    <mc:Fallback xmlns="">
       <p:transition spd="med">
         <p:fade/>
       </p:transition>
@@ -5728,13 +5876,13 @@
   <p:clrMapOvr>
     <a:masterClrMapping/>
   </p:clrMapOvr>
-  <mc:AlternateContent xmlns:mc="http://schemas.openxmlformats.org/markup-compatibility/2006">
-    <mc:Choice xmlns:p14="http://schemas.microsoft.com/office/powerpoint/2010/main" Requires="p14">
+  <mc:AlternateContent xmlns:mc="http://schemas.openxmlformats.org/markup-compatibility/2006" xmlns:p14="http://schemas.microsoft.com/office/powerpoint/2010/main">
+    <mc:Choice Requires="p14">
       <p:transition spd="med" p14:dur="700">
         <p:fade/>
       </p:transition>
     </mc:Choice>
-    <mc:Fallback>
+    <mc:Fallback xmlns="">
       <p:transition spd="med">
         <p:fade/>
       </p:transition>
@@ -6355,13 +6503,13 @@
   <p:clrMapOvr>
     <a:masterClrMapping/>
   </p:clrMapOvr>
-  <mc:AlternateContent xmlns:mc="http://schemas.openxmlformats.org/markup-compatibility/2006">
-    <mc:Choice xmlns:p14="http://schemas.microsoft.com/office/powerpoint/2010/main" Requires="p14">
+  <mc:AlternateContent xmlns:mc="http://schemas.openxmlformats.org/markup-compatibility/2006" xmlns:p14="http://schemas.microsoft.com/office/powerpoint/2010/main">
+    <mc:Choice Requires="p14">
       <p:transition spd="med" p14:dur="700">
         <p:fade/>
       </p:transition>
     </mc:Choice>
-    <mc:Fallback>
+    <mc:Fallback xmlns="">
       <p:transition spd="med">
         <p:fade/>
       </p:transition>
@@ -7219,13 +7367,13 @@
   <p:clrMapOvr>
     <a:masterClrMapping/>
   </p:clrMapOvr>
-  <mc:AlternateContent xmlns:mc="http://schemas.openxmlformats.org/markup-compatibility/2006">
-    <mc:Choice xmlns:p14="http://schemas.microsoft.com/office/powerpoint/2010/main" Requires="p14">
+  <mc:AlternateContent xmlns:mc="http://schemas.openxmlformats.org/markup-compatibility/2006" xmlns:p14="http://schemas.microsoft.com/office/powerpoint/2010/main">
+    <mc:Choice Requires="p14">
       <p:transition spd="med" p14:dur="700">
         <p:fade/>
       </p:transition>
     </mc:Choice>
-    <mc:Fallback>
+    <mc:Fallback xmlns="">
       <p:transition spd="med">
         <p:fade/>
       </p:transition>
@@ -7411,13 +7559,13 @@
   <p:clrMapOvr>
     <a:masterClrMapping/>
   </p:clrMapOvr>
-  <mc:AlternateContent xmlns:mc="http://schemas.openxmlformats.org/markup-compatibility/2006">
-    <mc:Choice xmlns:p14="http://schemas.microsoft.com/office/powerpoint/2010/main" Requires="p14">
+  <mc:AlternateContent xmlns:mc="http://schemas.openxmlformats.org/markup-compatibility/2006" xmlns:p14="http://schemas.microsoft.com/office/powerpoint/2010/main">
+    <mc:Choice Requires="p14">
       <p:transition spd="med" p14:dur="700">
         <p:fade/>
       </p:transition>
     </mc:Choice>
-    <mc:Fallback>
+    <mc:Fallback xmlns="">
       <p:transition spd="med">
         <p:fade/>
       </p:transition>
@@ -8462,13 +8610,13 @@
   <p:clrMapOvr>
     <a:masterClrMapping/>
   </p:clrMapOvr>
-  <mc:AlternateContent xmlns:mc="http://schemas.openxmlformats.org/markup-compatibility/2006">
-    <mc:Choice xmlns:p14="http://schemas.microsoft.com/office/powerpoint/2010/main" Requires="p14">
+  <mc:AlternateContent xmlns:mc="http://schemas.openxmlformats.org/markup-compatibility/2006" xmlns:p14="http://schemas.microsoft.com/office/powerpoint/2010/main">
+    <mc:Choice Requires="p14">
       <p:transition spd="med" p14:dur="700">
         <p:fade/>
       </p:transition>
     </mc:Choice>
-    <mc:Fallback>
+    <mc:Fallback xmlns="">
       <p:transition spd="med">
         <p:fade/>
       </p:transition>
@@ -8649,13 +8797,13 @@
   <p:clrMapOvr>
     <a:masterClrMapping/>
   </p:clrMapOvr>
-  <mc:AlternateContent xmlns:mc="http://schemas.openxmlformats.org/markup-compatibility/2006">
-    <mc:Choice xmlns:p14="http://schemas.microsoft.com/office/powerpoint/2010/main" Requires="p14">
+  <mc:AlternateContent xmlns:mc="http://schemas.openxmlformats.org/markup-compatibility/2006" xmlns:p14="http://schemas.microsoft.com/office/powerpoint/2010/main">
+    <mc:Choice Requires="p14">
       <p:transition spd="med" p14:dur="700">
         <p:fade/>
       </p:transition>
     </mc:Choice>
-    <mc:Fallback>
+    <mc:Fallback xmlns="">
       <p:transition spd="med">
         <p:fade/>
       </p:transition>
@@ -9764,13 +9912,13 @@
   <p:clrMapOvr>
     <a:masterClrMapping/>
   </p:clrMapOvr>
-  <mc:AlternateContent xmlns:mc="http://schemas.openxmlformats.org/markup-compatibility/2006">
-    <mc:Choice xmlns:p14="http://schemas.microsoft.com/office/powerpoint/2010/main" Requires="p14">
+  <mc:AlternateContent xmlns:mc="http://schemas.openxmlformats.org/markup-compatibility/2006" xmlns:p14="http://schemas.microsoft.com/office/powerpoint/2010/main">
+    <mc:Choice Requires="p14">
       <p:transition spd="med" p14:dur="700">
         <p:fade/>
       </p:transition>
     </mc:Choice>
-    <mc:Fallback>
+    <mc:Fallback xmlns="">
       <p:transition spd="med">
         <p:fade/>
       </p:transition>
@@ -10017,13 +10165,13 @@
   <p:clrMapOvr>
     <a:masterClrMapping/>
   </p:clrMapOvr>
-  <mc:AlternateContent xmlns:mc="http://schemas.openxmlformats.org/markup-compatibility/2006">
-    <mc:Choice xmlns:p14="http://schemas.microsoft.com/office/powerpoint/2010/main" Requires="p14">
+  <mc:AlternateContent xmlns:mc="http://schemas.openxmlformats.org/markup-compatibility/2006" xmlns:p14="http://schemas.microsoft.com/office/powerpoint/2010/main">
+    <mc:Choice Requires="p14">
       <p:transition spd="med" p14:dur="700">
         <p:fade/>
       </p:transition>
     </mc:Choice>
-    <mc:Fallback>
+    <mc:Fallback xmlns="">
       <p:transition spd="med">
         <p:fade/>
       </p:transition>
@@ -10416,13 +10564,13 @@
   <p:clrMapOvr>
     <a:masterClrMapping/>
   </p:clrMapOvr>
-  <mc:AlternateContent xmlns:mc="http://schemas.openxmlformats.org/markup-compatibility/2006">
-    <mc:Choice xmlns:p14="http://schemas.microsoft.com/office/powerpoint/2010/main" Requires="p14">
+  <mc:AlternateContent xmlns:mc="http://schemas.openxmlformats.org/markup-compatibility/2006" xmlns:p14="http://schemas.microsoft.com/office/powerpoint/2010/main">
+    <mc:Choice Requires="p14">
       <p:transition spd="med" p14:dur="700">
         <p:fade/>
       </p:transition>
     </mc:Choice>
-    <mc:Fallback>
+    <mc:Fallback xmlns="">
       <p:transition spd="med">
         <p:fade/>
       </p:transition>
@@ -10551,13 +10699,13 @@
   <p:clrMapOvr>
     <a:masterClrMapping/>
   </p:clrMapOvr>
-  <mc:AlternateContent xmlns:mc="http://schemas.openxmlformats.org/markup-compatibility/2006">
-    <mc:Choice xmlns:p14="http://schemas.microsoft.com/office/powerpoint/2010/main" Requires="p14">
+  <mc:AlternateContent xmlns:mc="http://schemas.openxmlformats.org/markup-compatibility/2006" xmlns:p14="http://schemas.microsoft.com/office/powerpoint/2010/main">
+    <mc:Choice Requires="p14">
       <p:transition spd="med" p14:dur="700">
         <p:fade/>
       </p:transition>
     </mc:Choice>
-    <mc:Fallback>
+    <mc:Fallback xmlns="">
       <p:transition spd="med">
         <p:fade/>
       </p:transition>
@@ -10699,13 +10847,13 @@
   <p:clrMapOvr>
     <a:masterClrMapping/>
   </p:clrMapOvr>
-  <mc:AlternateContent xmlns:mc="http://schemas.openxmlformats.org/markup-compatibility/2006">
-    <mc:Choice xmlns:p14="http://schemas.microsoft.com/office/powerpoint/2010/main" Requires="p14">
+  <mc:AlternateContent xmlns:mc="http://schemas.openxmlformats.org/markup-compatibility/2006" xmlns:p14="http://schemas.microsoft.com/office/powerpoint/2010/main">
+    <mc:Choice Requires="p14">
       <p:transition spd="med" p14:dur="700">
         <p:fade/>
       </p:transition>
     </mc:Choice>
-    <mc:Fallback>
+    <mc:Fallback xmlns="">
       <p:transition spd="med">
         <p:fade/>
       </p:transition>
@@ -11825,13 +11973,13 @@
   <p:clrMapOvr>
     <a:masterClrMapping/>
   </p:clrMapOvr>
-  <mc:AlternateContent xmlns:mc="http://schemas.openxmlformats.org/markup-compatibility/2006">
-    <mc:Choice xmlns:p14="http://schemas.microsoft.com/office/powerpoint/2010/main" Requires="p14">
+  <mc:AlternateContent xmlns:mc="http://schemas.openxmlformats.org/markup-compatibility/2006" xmlns:p14="http://schemas.microsoft.com/office/powerpoint/2010/main">
+    <mc:Choice Requires="p14">
       <p:transition spd="med" p14:dur="700">
         <p:fade/>
       </p:transition>
     </mc:Choice>
-    <mc:Fallback>
+    <mc:Fallback xmlns="">
       <p:transition spd="med">
         <p:fade/>
       </p:transition>
@@ -12975,13 +13123,13 @@
   <p:clrMapOvr>
     <a:masterClrMapping/>
   </p:clrMapOvr>
-  <mc:AlternateContent xmlns:mc="http://schemas.openxmlformats.org/markup-compatibility/2006">
-    <mc:Choice xmlns:p14="http://schemas.microsoft.com/office/powerpoint/2010/main" Requires="p14">
+  <mc:AlternateContent xmlns:mc="http://schemas.openxmlformats.org/markup-compatibility/2006" xmlns:p14="http://schemas.microsoft.com/office/powerpoint/2010/main">
+    <mc:Choice Requires="p14">
       <p:transition spd="med" p14:dur="700">
         <p:fade/>
       </p:transition>
     </mc:Choice>
-    <mc:Fallback>
+    <mc:Fallback xmlns="">
       <p:transition spd="med">
         <p:fade/>
       </p:transition>
@@ -14071,13 +14219,13 @@
     <p:sldLayoutId id="2147483755" r:id="rId16"/>
     <p:sldLayoutId id="2147483756" r:id="rId17"/>
   </p:sldLayoutIdLst>
-  <mc:AlternateContent xmlns:mc="http://schemas.openxmlformats.org/markup-compatibility/2006">
-    <mc:Choice xmlns:p14="http://schemas.microsoft.com/office/powerpoint/2010/main" Requires="p14">
+  <mc:AlternateContent xmlns:mc="http://schemas.openxmlformats.org/markup-compatibility/2006" xmlns:p14="http://schemas.microsoft.com/office/powerpoint/2010/main">
+    <mc:Choice Requires="p14">
       <p:transition spd="med" p14:dur="700">
         <p:fade/>
       </p:transition>
     </mc:Choice>
-    <mc:Fallback>
+    <mc:Fallback xmlns="">
       <p:transition spd="med">
         <p:fade/>
       </p:transition>
@@ -14528,15 +14676,7 @@
             </a:r>
             <a:r>
               <a:rPr lang="fr-FR" dirty="0" smtClean="0"/>
-              <a:t>	</a:t>
-            </a:r>
-            <a:r>
-              <a:rPr lang="fr-FR" dirty="0" smtClean="0"/>
-              <a:t>La </a:t>
-            </a:r>
-            <a:r>
-              <a:rPr lang="fr-FR" dirty="0" smtClean="0"/>
-              <a:t>Française des jeux</a:t>
+              <a:t>	La Française des jeux</a:t>
             </a:r>
             <a:endParaRPr lang="fr-FR" dirty="0"/>
           </a:p>
@@ -14633,13 +14773,13 @@
   <p:clrMapOvr>
     <a:masterClrMapping/>
   </p:clrMapOvr>
-  <mc:AlternateContent xmlns:mc="http://schemas.openxmlformats.org/markup-compatibility/2006">
-    <mc:Choice xmlns:p14="http://schemas.microsoft.com/office/powerpoint/2010/main" Requires="p14">
+  <mc:AlternateContent xmlns:mc="http://schemas.openxmlformats.org/markup-compatibility/2006" xmlns:p14="http://schemas.microsoft.com/office/powerpoint/2010/main">
+    <mc:Choice Requires="p14">
       <p:transition spd="med" p14:dur="700">
         <p:fade/>
       </p:transition>
     </mc:Choice>
-    <mc:Fallback>
+    <mc:Fallback xmlns="">
       <p:transition spd="med">
         <p:fade/>
       </p:transition>
@@ -14740,7 +14880,15 @@
           <a:p>
             <a:r>
               <a:rPr lang="fr-FR" sz="2800" dirty="0" smtClean="0"/>
-              <a:t>Objectif : Connaître si le ticket est gagnant ou non</a:t>
+              <a:t>Objectif : Connaître si le ticket </a:t>
+            </a:r>
+            <a:r>
+              <a:rPr lang="fr-FR" sz="2800" dirty="0" smtClean="0"/>
+              <a:t>d’un joueur est </a:t>
+            </a:r>
+            <a:r>
+              <a:rPr lang="fr-FR" sz="2800" dirty="0" smtClean="0"/>
+              <a:t>gagnant ou non</a:t>
             </a:r>
           </a:p>
           <a:p>
@@ -14818,13 +14966,13 @@
   <p:clrMapOvr>
     <a:masterClrMapping/>
   </p:clrMapOvr>
-  <mc:AlternateContent xmlns:mc="http://schemas.openxmlformats.org/markup-compatibility/2006">
-    <mc:Choice xmlns:p14="http://schemas.microsoft.com/office/powerpoint/2010/main" Requires="p14">
+  <mc:AlternateContent xmlns:mc="http://schemas.openxmlformats.org/markup-compatibility/2006" xmlns:p14="http://schemas.microsoft.com/office/powerpoint/2010/main">
+    <mc:Choice Requires="p14">
       <p:transition spd="med" p14:dur="700">
         <p:fade/>
       </p:transition>
     </mc:Choice>
-    <mc:Fallback>
+    <mc:Fallback xmlns="">
       <p:transition spd="med">
         <p:fade/>
       </p:transition>
@@ -14903,24 +15051,57 @@
             </a:r>
           </a:p>
           <a:p>
+            <a:endParaRPr lang="fr-FR" sz="2800" dirty="0" smtClean="0"/>
+          </a:p>
+          <a:p>
             <a:r>
               <a:rPr lang="fr-FR" sz="2800" dirty="0" smtClean="0"/>
-              <a:t>PHP</a:t>
-            </a:r>
+              <a:t>PHP5</a:t>
+            </a:r>
+          </a:p>
+          <a:p>
+            <a:pPr lvl="1">
+              <a:buFont typeface="Wingdings" panose="05000000000000000000" pitchFamily="2" charset="2"/>
+              <a:buChar char="§"/>
+            </a:pPr>
+            <a:r>
+              <a:rPr lang="fr-FR" dirty="0" smtClean="0"/>
+              <a:t>Librairie </a:t>
+            </a:r>
+            <a:r>
+              <a:rPr lang="fr-FR" dirty="0" err="1" smtClean="0"/>
+              <a:t>nuSOAP</a:t>
+            </a:r>
+            <a:r>
+              <a:rPr lang="fr-FR" dirty="0" smtClean="0"/>
+              <a:t>: création </a:t>
+            </a:r>
+            <a:r>
+              <a:rPr lang="fr-FR" dirty="0"/>
+              <a:t>en PHP de </a:t>
+            </a:r>
+            <a:r>
+              <a:rPr lang="fr-FR" dirty="0" err="1" smtClean="0"/>
+              <a:t>webservice</a:t>
+            </a:r>
+            <a:r>
+              <a:rPr lang="fr-FR" dirty="0" smtClean="0"/>
+              <a:t> </a:t>
+            </a:r>
+            <a:r>
+              <a:rPr lang="fr-FR" dirty="0"/>
+              <a:t>basés sur SOAP</a:t>
+            </a:r>
+            <a:endParaRPr lang="fr-FR" dirty="0" smtClean="0"/>
+          </a:p>
+          <a:p>
+            <a:endParaRPr lang="fr-FR" sz="2800" dirty="0" smtClean="0"/>
           </a:p>
           <a:p>
             <a:r>
               <a:rPr lang="fr-FR" sz="2800" dirty="0" smtClean="0"/>
               <a:t>HTML</a:t>
             </a:r>
-          </a:p>
-          <a:p>
-            <a:r>
-              <a:rPr lang="fr-FR" sz="2800" dirty="0" smtClean="0"/>
-              <a:t>WAMPSERVER</a:t>
-            </a:r>
-          </a:p>
-          <a:p>
             <a:endParaRPr lang="fr-FR" sz="2800" dirty="0"/>
           </a:p>
         </p:txBody>
@@ -14995,13 +15176,13 @@
   <p:clrMapOvr>
     <a:masterClrMapping/>
   </p:clrMapOvr>
-  <mc:AlternateContent xmlns:mc="http://schemas.openxmlformats.org/markup-compatibility/2006">
-    <mc:Choice xmlns:p14="http://schemas.microsoft.com/office/powerpoint/2010/main" Requires="p14">
+  <mc:AlternateContent xmlns:mc="http://schemas.openxmlformats.org/markup-compatibility/2006" xmlns:p14="http://schemas.microsoft.com/office/powerpoint/2010/main">
+    <mc:Choice Requires="p14">
       <p:transition spd="med" p14:dur="700">
         <p:fade/>
       </p:transition>
     </mc:Choice>
-    <mc:Fallback>
+    <mc:Fallback xmlns="">
       <p:transition spd="med">
         <p:fade/>
       </p:transition>
@@ -15199,13 +15380,13 @@
   <p:clrMapOvr>
     <a:masterClrMapping/>
   </p:clrMapOvr>
-  <mc:AlternateContent xmlns:mc="http://schemas.openxmlformats.org/markup-compatibility/2006">
-    <mc:Choice xmlns:p14="http://schemas.microsoft.com/office/powerpoint/2010/main" Requires="p14">
+  <mc:AlternateContent xmlns:mc="http://schemas.openxmlformats.org/markup-compatibility/2006" xmlns:p14="http://schemas.microsoft.com/office/powerpoint/2010/main">
+    <mc:Choice Requires="p14">
       <p:transition spd="med" p14:dur="700">
         <p:fade/>
       </p:transition>
     </mc:Choice>
-    <mc:Fallback>
+    <mc:Fallback xmlns="">
       <p:transition spd="med">
         <p:fade/>
       </p:transition>
@@ -15410,13 +15591,13 @@
   <p:clrMapOvr>
     <a:masterClrMapping/>
   </p:clrMapOvr>
-  <mc:AlternateContent xmlns:mc="http://schemas.openxmlformats.org/markup-compatibility/2006">
-    <mc:Choice xmlns:p14="http://schemas.microsoft.com/office/powerpoint/2010/main" Requires="p14">
+  <mc:AlternateContent xmlns:mc="http://schemas.openxmlformats.org/markup-compatibility/2006" xmlns:p14="http://schemas.microsoft.com/office/powerpoint/2010/main">
+    <mc:Choice Requires="p14">
       <p:transition spd="med" p14:dur="700">
         <p:fade/>
       </p:transition>
     </mc:Choice>
-    <mc:Fallback>
+    <mc:Fallback xmlns="">
       <p:transition spd="med">
         <p:fade/>
       </p:transition>
@@ -15429,6 +15610,528 @@
       </p:par>
     </p:tnLst>
   </p:timing>
+</p:sld>
+</file>
+
+<file path=ppt/slides/slide6.xml><?xml version="1.0" encoding="utf-8"?>
+<p:sld xmlns:a="http://schemas.openxmlformats.org/drawingml/2006/main" xmlns:r="http://schemas.openxmlformats.org/officeDocument/2006/relationships" xmlns:p="http://schemas.openxmlformats.org/presentationml/2006/main">
+  <p:cSld>
+    <p:spTree>
+      <p:nvGrpSpPr>
+        <p:cNvPr id="1" name=""/>
+        <p:cNvGrpSpPr/>
+        <p:nvPr/>
+      </p:nvGrpSpPr>
+      <p:grpSpPr>
+        <a:xfrm>
+          <a:off x="0" y="0"/>
+          <a:ext cx="0" cy="0"/>
+          <a:chOff x="0" y="0"/>
+          <a:chExt cx="0" cy="0"/>
+        </a:xfrm>
+      </p:grpSpPr>
+      <p:sp>
+        <p:nvSpPr>
+          <p:cNvPr id="2" name="Titre 1"/>
+          <p:cNvSpPr>
+            <a:spLocks noGrp="1"/>
+          </p:cNvSpPr>
+          <p:nvPr>
+            <p:ph type="title"/>
+          </p:nvPr>
+        </p:nvSpPr>
+        <p:spPr/>
+        <p:txBody>
+          <a:bodyPr/>
+          <a:lstStyle/>
+          <a:p>
+            <a:r>
+              <a:rPr lang="fr-FR" dirty="0" smtClean="0"/>
+              <a:t>Fonctionnement serveur &amp; client</a:t>
+            </a:r>
+            <a:endParaRPr lang="fr-FR" dirty="0"/>
+          </a:p>
+        </p:txBody>
+      </p:sp>
+      <p:sp>
+        <p:nvSpPr>
+          <p:cNvPr id="3" name="Espace réservé du contenu 2"/>
+          <p:cNvSpPr>
+            <a:spLocks noGrp="1"/>
+          </p:cNvSpPr>
+          <p:nvPr>
+            <p:ph idx="1"/>
+          </p:nvPr>
+        </p:nvSpPr>
+        <p:spPr>
+          <a:xfrm>
+            <a:off x="1154955" y="2404533"/>
+            <a:ext cx="4263712" cy="2404534"/>
+          </a:xfrm>
+        </p:spPr>
+        <p:txBody>
+          <a:bodyPr>
+            <a:normAutofit fontScale="92500" lnSpcReduction="10000"/>
+          </a:bodyPr>
+          <a:lstStyle/>
+          <a:p>
+            <a:pPr marL="0" indent="0">
+              <a:buNone/>
+            </a:pPr>
+            <a:r>
+              <a:rPr lang="fr-FR" dirty="0" smtClean="0">
+                <a:solidFill>
+                  <a:schemeClr val="accent1">
+                    <a:lumMod val="75000"/>
+                  </a:schemeClr>
+                </a:solidFill>
+              </a:rPr>
+              <a:t>		</a:t>
+            </a:r>
+            <a:r>
+              <a:rPr lang="fr-FR" sz="2200" dirty="0" smtClean="0">
+                <a:solidFill>
+                  <a:schemeClr val="accent1">
+                    <a:lumMod val="75000"/>
+                  </a:schemeClr>
+                </a:solidFill>
+              </a:rPr>
+              <a:t>	Serveur</a:t>
+            </a:r>
+          </a:p>
+          <a:p>
+            <a:r>
+              <a:rPr lang="fr-FR" dirty="0" smtClean="0"/>
+              <a:t>Nouvelle instance </a:t>
+            </a:r>
+            <a:r>
+              <a:rPr lang="fr-FR" dirty="0"/>
+              <a:t>de </a:t>
+            </a:r>
+            <a:r>
+              <a:rPr lang="fr-FR" dirty="0" smtClean="0"/>
+              <a:t>serveur</a:t>
+            </a:r>
+          </a:p>
+          <a:p>
+            <a:r>
+              <a:rPr lang="fr-FR" dirty="0" smtClean="0"/>
+              <a:t>Configuration du serveur</a:t>
+            </a:r>
+          </a:p>
+          <a:p>
+            <a:r>
+              <a:rPr lang="fr-FR" dirty="0" smtClean="0"/>
+              <a:t>Enregistrement des services</a:t>
+            </a:r>
+          </a:p>
+          <a:p>
+            <a:r>
+              <a:rPr lang="fr-FR" dirty="0" smtClean="0"/>
+              <a:t>Définition des services</a:t>
+            </a:r>
+          </a:p>
+          <a:p>
+            <a:r>
+              <a:rPr lang="fr-FR" dirty="0" smtClean="0"/>
+              <a:t>Envoi du résultat					</a:t>
+            </a:r>
+            <a:endParaRPr lang="fr-FR" dirty="0"/>
+          </a:p>
+        </p:txBody>
+      </p:sp>
+      <p:sp>
+        <p:nvSpPr>
+          <p:cNvPr id="4" name="Espace réservé du pied de page 3"/>
+          <p:cNvSpPr>
+            <a:spLocks noGrp="1"/>
+          </p:cNvSpPr>
+          <p:nvPr>
+            <p:ph type="ftr" sz="quarter" idx="11"/>
+          </p:nvPr>
+        </p:nvSpPr>
+        <p:spPr/>
+        <p:txBody>
+          <a:bodyPr/>
+          <a:lstStyle/>
+          <a:p>
+            <a:r>
+              <a:rPr lang="fr-FR" smtClean="0"/>
+              <a:t>Service Web La française des jeux réalisé par Amal BACHARA et Diarra Sokhna DIOP</a:t>
+            </a:r>
+            <a:endParaRPr lang="en-US" dirty="0"/>
+          </a:p>
+        </p:txBody>
+      </p:sp>
+      <p:sp>
+        <p:nvSpPr>
+          <p:cNvPr id="5" name="Espace réservé du numéro de diapositive 4"/>
+          <p:cNvSpPr>
+            <a:spLocks noGrp="1"/>
+          </p:cNvSpPr>
+          <p:nvPr>
+            <p:ph type="sldNum" sz="quarter" idx="12"/>
+          </p:nvPr>
+        </p:nvSpPr>
+        <p:spPr/>
+        <p:txBody>
+          <a:bodyPr/>
+          <a:lstStyle/>
+          <a:p>
+            <a:fld id="{D57F1E4F-1CFF-5643-939E-217C01CDF565}" type="slidenum">
+              <a:rPr lang="en-US" smtClean="0"/>
+              <a:pPr/>
+              <a:t>6</a:t>
+            </a:fld>
+            <a:endParaRPr lang="en-US" dirty="0"/>
+          </a:p>
+        </p:txBody>
+      </p:sp>
+      <p:sp>
+        <p:nvSpPr>
+          <p:cNvPr id="6" name="ZoneTexte 5"/>
+          <p:cNvSpPr txBox="1"/>
+          <p:nvPr/>
+        </p:nvSpPr>
+        <p:spPr>
+          <a:xfrm>
+            <a:off x="6948726" y="3318933"/>
+            <a:ext cx="5000087" cy="3344505"/>
+          </a:xfrm>
+          <a:prstGeom prst="rect">
+            <a:avLst/>
+          </a:prstGeom>
+          <a:noFill/>
+        </p:spPr>
+        <p:txBody>
+          <a:bodyPr wrap="none" rtlCol="0">
+            <a:spAutoFit/>
+          </a:bodyPr>
+          <a:lstStyle/>
+          <a:p>
+            <a:pPr marL="342900" lvl="0" indent="-342900">
+              <a:spcBef>
+                <a:spcPts val="1000"/>
+              </a:spcBef>
+              <a:buClr>
+                <a:srgbClr val="ACD433"/>
+              </a:buClr>
+              <a:buSzPct val="80000"/>
+              <a:buFont typeface="Wingdings 3" charset="2"/>
+              <a:buChar char=""/>
+            </a:pPr>
+            <a:endParaRPr lang="fr-FR" sz="1700" dirty="0" smtClean="0">
+              <a:solidFill>
+                <a:prstClr val="black">
+                  <a:lumMod val="75000"/>
+                  <a:lumOff val="25000"/>
+                </a:prstClr>
+              </a:solidFill>
+            </a:endParaRPr>
+          </a:p>
+          <a:p>
+            <a:pPr lvl="1">
+              <a:spcBef>
+                <a:spcPts val="1000"/>
+              </a:spcBef>
+              <a:buClr>
+                <a:srgbClr val="ACD433"/>
+              </a:buClr>
+              <a:buSzPct val="80000"/>
+            </a:pPr>
+            <a:r>
+              <a:rPr lang="fr-FR" sz="2000" dirty="0" smtClean="0">
+                <a:solidFill>
+                  <a:schemeClr val="accent1">
+                    <a:lumMod val="75000"/>
+                  </a:schemeClr>
+                </a:solidFill>
+              </a:rPr>
+              <a:t>			Client</a:t>
+            </a:r>
+            <a:endParaRPr lang="fr-FR" sz="1700" dirty="0" smtClean="0">
+              <a:solidFill>
+                <a:schemeClr val="accent1">
+                  <a:lumMod val="75000"/>
+                </a:schemeClr>
+              </a:solidFill>
+            </a:endParaRPr>
+          </a:p>
+          <a:p>
+            <a:pPr marL="342900" lvl="0" indent="-342900">
+              <a:spcBef>
+                <a:spcPts val="1000"/>
+              </a:spcBef>
+              <a:buClr>
+                <a:srgbClr val="ACD433"/>
+              </a:buClr>
+              <a:buSzPct val="80000"/>
+              <a:buFont typeface="Wingdings 3" charset="2"/>
+              <a:buChar char=""/>
+            </a:pPr>
+            <a:r>
+              <a:rPr lang="fr-FR" sz="1700" dirty="0" smtClean="0">
+                <a:solidFill>
+                  <a:prstClr val="black">
+                    <a:lumMod val="75000"/>
+                    <a:lumOff val="25000"/>
+                  </a:prstClr>
+                </a:solidFill>
+              </a:rPr>
+              <a:t>Client </a:t>
+            </a:r>
+            <a:r>
+              <a:rPr lang="fr-FR" sz="1700" dirty="0">
+                <a:solidFill>
+                  <a:prstClr val="black">
+                    <a:lumMod val="75000"/>
+                    <a:lumOff val="25000"/>
+                  </a:prstClr>
+                </a:solidFill>
+              </a:rPr>
+              <a:t>paramétré avec le WSDL du </a:t>
+            </a:r>
+            <a:r>
+              <a:rPr lang="fr-FR" sz="1700" dirty="0" smtClean="0">
+                <a:solidFill>
+                  <a:prstClr val="black">
+                    <a:lumMod val="75000"/>
+                    <a:lumOff val="25000"/>
+                  </a:prstClr>
+                </a:solidFill>
+              </a:rPr>
+              <a:t>serveur</a:t>
+            </a:r>
+          </a:p>
+          <a:p>
+            <a:pPr marL="342900" lvl="0" indent="-342900">
+              <a:spcBef>
+                <a:spcPts val="1000"/>
+              </a:spcBef>
+              <a:buClr>
+                <a:srgbClr val="ACD433"/>
+              </a:buClr>
+              <a:buSzPct val="80000"/>
+              <a:buFont typeface="Wingdings 3" charset="2"/>
+              <a:buChar char=""/>
+            </a:pPr>
+            <a:r>
+              <a:rPr lang="fr-FR" sz="1700" dirty="0" smtClean="0">
+                <a:solidFill>
+                  <a:prstClr val="black">
+                    <a:lumMod val="75000"/>
+                    <a:lumOff val="25000"/>
+                  </a:prstClr>
+                </a:solidFill>
+              </a:rPr>
+              <a:t>Appel </a:t>
+            </a:r>
+            <a:r>
+              <a:rPr lang="fr-FR" sz="1700" dirty="0">
+                <a:solidFill>
+                  <a:prstClr val="black">
+                    <a:lumMod val="75000"/>
+                    <a:lumOff val="25000"/>
+                  </a:prstClr>
+                </a:solidFill>
+              </a:rPr>
+              <a:t>du service</a:t>
+            </a:r>
+          </a:p>
+          <a:p>
+            <a:pPr marL="342900" lvl="0" indent="-342900">
+              <a:spcBef>
+                <a:spcPts val="1000"/>
+              </a:spcBef>
+              <a:buClr>
+                <a:srgbClr val="ACD433"/>
+              </a:buClr>
+              <a:buSzPct val="80000"/>
+              <a:buFont typeface="Wingdings 3" charset="2"/>
+              <a:buChar char=""/>
+            </a:pPr>
+            <a:r>
+              <a:rPr lang="fr-FR" sz="1700" dirty="0" smtClean="0">
+                <a:solidFill>
+                  <a:prstClr val="black">
+                    <a:lumMod val="75000"/>
+                    <a:lumOff val="25000"/>
+                  </a:prstClr>
+                </a:solidFill>
+              </a:rPr>
+              <a:t>Nouvelle instance de serveur</a:t>
+            </a:r>
+          </a:p>
+          <a:p>
+            <a:endParaRPr lang="fr-FR" dirty="0" smtClean="0"/>
+          </a:p>
+          <a:p>
+            <a:endParaRPr lang="fr-FR" dirty="0"/>
+          </a:p>
+          <a:p>
+            <a:endParaRPr lang="fr-FR" dirty="0" smtClean="0"/>
+          </a:p>
+          <a:p>
+            <a:endParaRPr lang="fr-FR" dirty="0"/>
+          </a:p>
+          <a:p>
+            <a:endParaRPr lang="fr-FR" dirty="0"/>
+          </a:p>
+        </p:txBody>
+      </p:sp>
+    </p:spTree>
+    <p:extLst>
+      <p:ext uri="{BB962C8B-B14F-4D97-AF65-F5344CB8AC3E}">
+        <p14:creationId xmlns:p14="http://schemas.microsoft.com/office/powerpoint/2010/main" val="930431806"/>
+      </p:ext>
+    </p:extLst>
+  </p:cSld>
+  <p:clrMapOvr>
+    <a:masterClrMapping/>
+  </p:clrMapOvr>
+  <mc:AlternateContent xmlns:mc="http://schemas.openxmlformats.org/markup-compatibility/2006" xmlns:p14="http://schemas.microsoft.com/office/powerpoint/2010/main">
+    <mc:Choice Requires="p14">
+      <p:transition spd="med" p14:dur="700">
+        <p:fade/>
+      </p:transition>
+    </mc:Choice>
+    <mc:Fallback xmlns="">
+      <p:transition spd="med">
+        <p:fade/>
+      </p:transition>
+    </mc:Fallback>
+  </mc:AlternateContent>
+</p:sld>
+</file>
+
+<file path=ppt/slides/slide7.xml><?xml version="1.0" encoding="utf-8"?>
+<p:sld xmlns:a="http://schemas.openxmlformats.org/drawingml/2006/main" xmlns:r="http://schemas.openxmlformats.org/officeDocument/2006/relationships" xmlns:p="http://schemas.openxmlformats.org/presentationml/2006/main">
+  <p:cSld>
+    <p:spTree>
+      <p:nvGrpSpPr>
+        <p:cNvPr id="1" name=""/>
+        <p:cNvGrpSpPr/>
+        <p:nvPr/>
+      </p:nvGrpSpPr>
+      <p:grpSpPr>
+        <a:xfrm>
+          <a:off x="0" y="0"/>
+          <a:ext cx="0" cy="0"/>
+          <a:chOff x="0" y="0"/>
+          <a:chExt cx="0" cy="0"/>
+        </a:xfrm>
+      </p:grpSpPr>
+      <p:sp>
+        <p:nvSpPr>
+          <p:cNvPr id="2" name="Titre 1"/>
+          <p:cNvSpPr>
+            <a:spLocks noGrp="1"/>
+          </p:cNvSpPr>
+          <p:nvPr>
+            <p:ph type="title"/>
+          </p:nvPr>
+        </p:nvSpPr>
+        <p:spPr/>
+        <p:txBody>
+          <a:bodyPr/>
+          <a:lstStyle/>
+          <a:p>
+            <a:r>
+              <a:rPr lang="fr-FR" dirty="0" smtClean="0"/>
+              <a:t>Démonstration</a:t>
+            </a:r>
+            <a:endParaRPr lang="fr-FR" dirty="0"/>
+          </a:p>
+        </p:txBody>
+      </p:sp>
+      <p:sp>
+        <p:nvSpPr>
+          <p:cNvPr id="3" name="Espace réservé du contenu 2"/>
+          <p:cNvSpPr>
+            <a:spLocks noGrp="1"/>
+          </p:cNvSpPr>
+          <p:nvPr>
+            <p:ph idx="1"/>
+          </p:nvPr>
+        </p:nvSpPr>
+        <p:spPr/>
+        <p:txBody>
+          <a:bodyPr/>
+          <a:lstStyle/>
+          <a:p>
+            <a:endParaRPr lang="fr-FR"/>
+          </a:p>
+        </p:txBody>
+      </p:sp>
+      <p:sp>
+        <p:nvSpPr>
+          <p:cNvPr id="4" name="Espace réservé du pied de page 3"/>
+          <p:cNvSpPr>
+            <a:spLocks noGrp="1"/>
+          </p:cNvSpPr>
+          <p:nvPr>
+            <p:ph type="ftr" sz="quarter" idx="11"/>
+          </p:nvPr>
+        </p:nvSpPr>
+        <p:spPr/>
+        <p:txBody>
+          <a:bodyPr/>
+          <a:lstStyle/>
+          <a:p>
+            <a:r>
+              <a:rPr lang="fr-FR" smtClean="0"/>
+              <a:t>Service Web La française des jeux réalisé par Amal BACHARA et Diarra Sokhna DIOP</a:t>
+            </a:r>
+            <a:endParaRPr lang="en-US" dirty="0"/>
+          </a:p>
+        </p:txBody>
+      </p:sp>
+      <p:sp>
+        <p:nvSpPr>
+          <p:cNvPr id="5" name="Espace réservé du numéro de diapositive 4"/>
+          <p:cNvSpPr>
+            <a:spLocks noGrp="1"/>
+          </p:cNvSpPr>
+          <p:nvPr>
+            <p:ph type="sldNum" sz="quarter" idx="12"/>
+          </p:nvPr>
+        </p:nvSpPr>
+        <p:spPr/>
+        <p:txBody>
+          <a:bodyPr/>
+          <a:lstStyle/>
+          <a:p>
+            <a:fld id="{D57F1E4F-1CFF-5643-939E-217C01CDF565}" type="slidenum">
+              <a:rPr lang="en-US" smtClean="0"/>
+              <a:pPr/>
+              <a:t>7</a:t>
+            </a:fld>
+            <a:endParaRPr lang="en-US" dirty="0"/>
+          </a:p>
+        </p:txBody>
+      </p:sp>
+    </p:spTree>
+    <p:extLst>
+      <p:ext uri="{BB962C8B-B14F-4D97-AF65-F5344CB8AC3E}">
+        <p14:creationId xmlns:p14="http://schemas.microsoft.com/office/powerpoint/2010/main" val="418334903"/>
+      </p:ext>
+    </p:extLst>
+  </p:cSld>
+  <p:clrMapOvr>
+    <a:masterClrMapping/>
+  </p:clrMapOvr>
+  <mc:AlternateContent xmlns:mc="http://schemas.openxmlformats.org/markup-compatibility/2006" xmlns:p14="http://schemas.microsoft.com/office/powerpoint/2010/main">
+    <mc:Choice Requires="p14">
+      <p:transition spd="med" p14:dur="700">
+        <p:fade/>
+      </p:transition>
+    </mc:Choice>
+    <mc:Fallback xmlns="">
+      <p:transition spd="med">
+        <p:fade/>
+      </p:transition>
+    </mc:Fallback>
+  </mc:AlternateContent>
 </p:sld>
 </file>
 
@@ -15691,7 +16394,7 @@
   <a:extraClrSchemeLst/>
   <a:extLst>
     <a:ext uri="{05A4C25C-085E-4340-85A3-A5531E510DB2}">
-      <thm15:themeFamily xmlns:thm15="http://schemas.microsoft.com/office/thememl/2012/main" name="Ion Boardroom" id="{FC33163D-4339-46B1-8EED-24C834239D99}" vid="{A3AB87EF-B655-4FFF-8D05-F333AD7F2789}"/>
+      <thm15:themeFamily xmlns:thm15="http://schemas.microsoft.com/office/thememl/2012/main" xmlns="" name="Ion Boardroom" id="{FC33163D-4339-46B1-8EED-24C834239D99}" vid="{A3AB87EF-B655-4FFF-8D05-F333AD7F2789}"/>
     </a:ext>
   </a:extLst>
 </a:theme>
@@ -15952,7 +16655,7 @@
   <a:extraClrSchemeLst/>
   <a:extLst>
     <a:ext uri="{05A4C25C-085E-4340-85A3-A5531E510DB2}">
-      <thm15:themeFamily xmlns:thm15="http://schemas.microsoft.com/office/thememl/2012/main" name="Office Theme" id="{62F939B6-93AF-4DB8-9C6B-D6C7DFDC589F}" vid="{4A3C46E8-61CC-4603-A589-7422A47A8E4A}"/>
+      <thm15:themeFamily xmlns:thm15="http://schemas.microsoft.com/office/thememl/2012/main" xmlns="" name="Office Theme" id="{62F939B6-93AF-4DB8-9C6B-D6C7DFDC589F}" vid="{4A3C46E8-61CC-4603-A589-7422A47A8E4A}"/>
     </a:ext>
   </a:extLst>
 </a:theme>
